--- a/01_計画/【提案書】自動販売機システム.pptx
+++ b/01_計画/【提案書】自動販売機システム.pptx
@@ -352,7 +352,7 @@
           <a:p>
             <a:fld id="{DEAFAB1B-A656-40A4-A7A4-66E28527D4FA}" type="datetimeFigureOut">
               <a:rPr kumimoji="1" lang="ja-JP" altLang="en-US" smtClean="0"/>
-              <a:t>2020/6/9</a:t>
+              <a:t>2020/6/10</a:t>
             </a:fld>
             <a:endParaRPr kumimoji="1" lang="ja-JP" altLang="en-US"/>
           </a:p>
@@ -582,7 +582,7 @@
           <a:p>
             <a:fld id="{DEAFAB1B-A656-40A4-A7A4-66E28527D4FA}" type="datetimeFigureOut">
               <a:rPr kumimoji="1" lang="ja-JP" altLang="en-US" smtClean="0"/>
-              <a:t>2020/6/9</a:t>
+              <a:t>2020/6/10</a:t>
             </a:fld>
             <a:endParaRPr kumimoji="1" lang="ja-JP" altLang="en-US"/>
           </a:p>
@@ -822,7 +822,7 @@
           <a:p>
             <a:fld id="{DEAFAB1B-A656-40A4-A7A4-66E28527D4FA}" type="datetimeFigureOut">
               <a:rPr kumimoji="1" lang="ja-JP" altLang="en-US" smtClean="0"/>
-              <a:t>2020/6/9</a:t>
+              <a:t>2020/6/10</a:t>
             </a:fld>
             <a:endParaRPr kumimoji="1" lang="ja-JP" altLang="en-US"/>
           </a:p>
@@ -1052,7 +1052,7 @@
           <a:p>
             <a:fld id="{DEAFAB1B-A656-40A4-A7A4-66E28527D4FA}" type="datetimeFigureOut">
               <a:rPr kumimoji="1" lang="ja-JP" altLang="en-US" smtClean="0"/>
-              <a:t>2020/6/9</a:t>
+              <a:t>2020/6/10</a:t>
             </a:fld>
             <a:endParaRPr kumimoji="1" lang="ja-JP" altLang="en-US"/>
           </a:p>
@@ -1327,7 +1327,7 @@
           <a:p>
             <a:fld id="{DEAFAB1B-A656-40A4-A7A4-66E28527D4FA}" type="datetimeFigureOut">
               <a:rPr kumimoji="1" lang="ja-JP" altLang="en-US" smtClean="0"/>
-              <a:t>2020/6/9</a:t>
+              <a:t>2020/6/10</a:t>
             </a:fld>
             <a:endParaRPr kumimoji="1" lang="ja-JP" altLang="en-US"/>
           </a:p>
@@ -1656,7 +1656,7 @@
           <a:p>
             <a:fld id="{DEAFAB1B-A656-40A4-A7A4-66E28527D4FA}" type="datetimeFigureOut">
               <a:rPr kumimoji="1" lang="ja-JP" altLang="en-US" smtClean="0"/>
-              <a:t>2020/6/9</a:t>
+              <a:t>2020/6/10</a:t>
             </a:fld>
             <a:endParaRPr kumimoji="1" lang="ja-JP" altLang="en-US"/>
           </a:p>
@@ -2132,7 +2132,7 @@
           <a:p>
             <a:fld id="{DEAFAB1B-A656-40A4-A7A4-66E28527D4FA}" type="datetimeFigureOut">
               <a:rPr kumimoji="1" lang="ja-JP" altLang="en-US" smtClean="0"/>
-              <a:t>2020/6/9</a:t>
+              <a:t>2020/6/10</a:t>
             </a:fld>
             <a:endParaRPr kumimoji="1" lang="ja-JP" altLang="en-US"/>
           </a:p>
@@ -2273,7 +2273,7 @@
           <a:p>
             <a:fld id="{DEAFAB1B-A656-40A4-A7A4-66E28527D4FA}" type="datetimeFigureOut">
               <a:rPr kumimoji="1" lang="ja-JP" altLang="en-US" smtClean="0"/>
-              <a:t>2020/6/9</a:t>
+              <a:t>2020/6/10</a:t>
             </a:fld>
             <a:endParaRPr kumimoji="1" lang="ja-JP" altLang="en-US"/>
           </a:p>
@@ -2386,7 +2386,7 @@
           <a:p>
             <a:fld id="{DEAFAB1B-A656-40A4-A7A4-66E28527D4FA}" type="datetimeFigureOut">
               <a:rPr kumimoji="1" lang="ja-JP" altLang="en-US" smtClean="0"/>
-              <a:t>2020/6/9</a:t>
+              <a:t>2020/6/10</a:t>
             </a:fld>
             <a:endParaRPr kumimoji="1" lang="ja-JP" altLang="en-US"/>
           </a:p>
@@ -2729,7 +2729,7 @@
           <a:p>
             <a:fld id="{DEAFAB1B-A656-40A4-A7A4-66E28527D4FA}" type="datetimeFigureOut">
               <a:rPr kumimoji="1" lang="ja-JP" altLang="en-US" smtClean="0"/>
-              <a:t>2020/6/9</a:t>
+              <a:t>2020/6/10</a:t>
             </a:fld>
             <a:endParaRPr kumimoji="1" lang="ja-JP" altLang="en-US"/>
           </a:p>
@@ -3017,7 +3017,7 @@
           <a:p>
             <a:fld id="{DEAFAB1B-A656-40A4-A7A4-66E28527D4FA}" type="datetimeFigureOut">
               <a:rPr kumimoji="1" lang="ja-JP" altLang="en-US" smtClean="0"/>
-              <a:t>2020/6/9</a:t>
+              <a:t>2020/6/10</a:t>
             </a:fld>
             <a:endParaRPr kumimoji="1" lang="ja-JP" altLang="en-US"/>
           </a:p>
@@ -3290,7 +3290,7 @@
           <a:p>
             <a:fld id="{DEAFAB1B-A656-40A4-A7A4-66E28527D4FA}" type="datetimeFigureOut">
               <a:rPr kumimoji="1" lang="ja-JP" altLang="en-US" smtClean="0"/>
-              <a:t>2020/6/9</a:t>
+              <a:t>2020/6/10</a:t>
             </a:fld>
             <a:endParaRPr kumimoji="1" lang="ja-JP" altLang="en-US"/>
           </a:p>
@@ -5941,14 +5941,14 @@
           <p:nvPr>
             <p:extLst>
               <p:ext uri="{D42A27DB-BD31-4B8C-83A1-F6EECF244321}">
-                <p14:modId xmlns:p14="http://schemas.microsoft.com/office/powerpoint/2010/main" val="1090626143"/>
+                <p14:modId xmlns:p14="http://schemas.microsoft.com/office/powerpoint/2010/main" val="3219623175"/>
               </p:ext>
             </p:extLst>
           </p:nvPr>
         </p:nvGraphicFramePr>
         <p:xfrm>
-          <a:off x="4282114" y="3634243"/>
-          <a:ext cx="808383" cy="1801302"/>
+          <a:off x="4282114" y="3709851"/>
+          <a:ext cx="808383" cy="1798320"/>
         </p:xfrm>
         <a:graphic>
           <a:graphicData uri="http://schemas.openxmlformats.org/drawingml/2006/table">
@@ -5965,19 +5965,64 @@
                   </a:extLst>
                 </a:gridCol>
               </a:tblGrid>
-              <a:tr h="338262">
+              <a:tr h="262654">
                 <a:tc>
                   <a:txBody>
                     <a:bodyPr/>
                     <a:lstStyle/>
                     <a:p>
                       <a:r>
-                        <a:rPr kumimoji="1" lang="ja-JP" altLang="en-US" sz="1600" b="0"/>
-                        <a:t>１０</a:t>
+                        <a:rPr kumimoji="1" lang="en-US" altLang="ja-JP" sz="1600" b="0" dirty="0"/>
+                        <a:t>10</a:t>
                       </a:r>
+                      <a:endParaRPr kumimoji="1" lang="ja-JP" altLang="en-US" sz="1600" b="0" dirty="0"/>
                     </a:p>
                   </a:txBody>
                   <a:tcPr>
+                    <a:lnL w="12700" cap="flat" cmpd="sng" algn="ctr">
+                      <a:solidFill>
+                        <a:schemeClr val="bg1"/>
+                      </a:solidFill>
+                      <a:prstDash val="solid"/>
+                      <a:round/>
+                      <a:headEnd type="none" w="med" len="med"/>
+                      <a:tailEnd type="none" w="med" len="med"/>
+                    </a:lnL>
+                    <a:lnR w="12700" cap="flat" cmpd="sng" algn="ctr">
+                      <a:solidFill>
+                        <a:schemeClr val="bg1"/>
+                      </a:solidFill>
+                      <a:prstDash val="solid"/>
+                      <a:round/>
+                      <a:headEnd type="none" w="med" len="med"/>
+                      <a:tailEnd type="none" w="med" len="med"/>
+                    </a:lnR>
+                    <a:lnT w="12700" cap="flat" cmpd="sng" algn="ctr">
+                      <a:solidFill>
+                        <a:schemeClr val="bg1"/>
+                      </a:solidFill>
+                      <a:prstDash val="solid"/>
+                      <a:round/>
+                      <a:headEnd type="none" w="med" len="med"/>
+                      <a:tailEnd type="none" w="med" len="med"/>
+                    </a:lnT>
+                    <a:lnB w="12700" cap="flat" cmpd="sng" algn="ctr">
+                      <a:solidFill>
+                        <a:schemeClr val="bg1"/>
+                      </a:solidFill>
+                      <a:prstDash val="solid"/>
+                      <a:round/>
+                      <a:headEnd type="none" w="med" len="med"/>
+                      <a:tailEnd type="none" w="med" len="med"/>
+                    </a:lnB>
+                    <a:lnTlToBr w="12700" cmpd="sng">
+                      <a:noFill/>
+                      <a:prstDash val="solid"/>
+                    </a:lnTlToBr>
+                    <a:lnBlToTr w="12700" cmpd="sng">
+                      <a:noFill/>
+                      <a:prstDash val="solid"/>
+                    </a:lnBlToTr>
                     <a:solidFill>
                       <a:srgbClr val="7030A0"/>
                     </a:solidFill>
@@ -5989,7 +6034,7 @@
                   </a:ext>
                 </a:extLst>
               </a:tr>
-              <a:tr h="338262">
+              <a:tr h="330926">
                 <a:tc>
                   <a:txBody>
                     <a:bodyPr/>
@@ -6011,6 +6056,50 @@
                     </a:p>
                   </a:txBody>
                   <a:tcPr>
+                    <a:lnL w="12700" cap="flat" cmpd="sng" algn="ctr">
+                      <a:solidFill>
+                        <a:schemeClr val="bg1"/>
+                      </a:solidFill>
+                      <a:prstDash val="solid"/>
+                      <a:round/>
+                      <a:headEnd type="none" w="med" len="med"/>
+                      <a:tailEnd type="none" w="med" len="med"/>
+                    </a:lnL>
+                    <a:lnR w="12700" cap="flat" cmpd="sng" algn="ctr">
+                      <a:solidFill>
+                        <a:schemeClr val="bg1"/>
+                      </a:solidFill>
+                      <a:prstDash val="solid"/>
+                      <a:round/>
+                      <a:headEnd type="none" w="med" len="med"/>
+                      <a:tailEnd type="none" w="med" len="med"/>
+                    </a:lnR>
+                    <a:lnT w="12700" cap="flat" cmpd="sng" algn="ctr">
+                      <a:solidFill>
+                        <a:schemeClr val="bg1"/>
+                      </a:solidFill>
+                      <a:prstDash val="solid"/>
+                      <a:round/>
+                      <a:headEnd type="none" w="med" len="med"/>
+                      <a:tailEnd type="none" w="med" len="med"/>
+                    </a:lnT>
+                    <a:lnB w="12700" cap="flat" cmpd="sng" algn="ctr">
+                      <a:solidFill>
+                        <a:schemeClr val="bg1"/>
+                      </a:solidFill>
+                      <a:prstDash val="solid"/>
+                      <a:round/>
+                      <a:headEnd type="none" w="med" len="med"/>
+                      <a:tailEnd type="none" w="med" len="med"/>
+                    </a:lnB>
+                    <a:lnTlToBr w="12700" cmpd="sng">
+                      <a:noFill/>
+                      <a:prstDash val="solid"/>
+                    </a:lnTlToBr>
+                    <a:lnBlToTr w="12700" cmpd="sng">
+                      <a:noFill/>
+                      <a:prstDash val="solid"/>
+                    </a:lnBlToTr>
                     <a:solidFill>
                       <a:srgbClr val="7030A0"/>
                     </a:solidFill>
@@ -6044,6 +6133,50 @@
                     </a:p>
                   </a:txBody>
                   <a:tcPr>
+                    <a:lnL w="12700" cap="flat" cmpd="sng" algn="ctr">
+                      <a:solidFill>
+                        <a:schemeClr val="bg1"/>
+                      </a:solidFill>
+                      <a:prstDash val="solid"/>
+                      <a:round/>
+                      <a:headEnd type="none" w="med" len="med"/>
+                      <a:tailEnd type="none" w="med" len="med"/>
+                    </a:lnL>
+                    <a:lnR w="12700" cap="flat" cmpd="sng" algn="ctr">
+                      <a:solidFill>
+                        <a:schemeClr val="bg1"/>
+                      </a:solidFill>
+                      <a:prstDash val="solid"/>
+                      <a:round/>
+                      <a:headEnd type="none" w="med" len="med"/>
+                      <a:tailEnd type="none" w="med" len="med"/>
+                    </a:lnR>
+                    <a:lnT w="12700" cap="flat" cmpd="sng" algn="ctr">
+                      <a:solidFill>
+                        <a:schemeClr val="bg1"/>
+                      </a:solidFill>
+                      <a:prstDash val="solid"/>
+                      <a:round/>
+                      <a:headEnd type="none" w="med" len="med"/>
+                      <a:tailEnd type="none" w="med" len="med"/>
+                    </a:lnT>
+                    <a:lnB w="12700" cap="flat" cmpd="sng" algn="ctr">
+                      <a:solidFill>
+                        <a:schemeClr val="bg1"/>
+                      </a:solidFill>
+                      <a:prstDash val="solid"/>
+                      <a:round/>
+                      <a:headEnd type="none" w="med" len="med"/>
+                      <a:tailEnd type="none" w="med" len="med"/>
+                    </a:lnB>
+                    <a:lnTlToBr w="12700" cmpd="sng">
+                      <a:noFill/>
+                      <a:prstDash val="solid"/>
+                    </a:lnTlToBr>
+                    <a:lnBlToTr w="12700" cmpd="sng">
+                      <a:noFill/>
+                      <a:prstDash val="solid"/>
+                    </a:lnBlToTr>
                     <a:solidFill>
                       <a:srgbClr val="7030A0"/>
                     </a:solidFill>
@@ -6055,21 +6188,21 @@
                   </a:ext>
                 </a:extLst>
               </a:tr>
-              <a:tr h="338262">
+              <a:tr h="357052">
                 <a:tc>
                   <a:txBody>
                     <a:bodyPr/>
                     <a:lstStyle/>
                     <a:p>
                       <a:r>
-                        <a:rPr kumimoji="1" lang="en-US" altLang="ja-JP">
+                        <a:rPr kumimoji="1" lang="en-US" altLang="ja-JP" dirty="0">
                           <a:solidFill>
                             <a:schemeClr val="bg1"/>
                           </a:solidFill>
                         </a:rPr>
                         <a:t>500</a:t>
                       </a:r>
-                      <a:endParaRPr kumimoji="1" lang="ja-JP" altLang="en-US">
+                      <a:endParaRPr kumimoji="1" lang="ja-JP" altLang="en-US" dirty="0">
                         <a:solidFill>
                           <a:schemeClr val="bg1"/>
                         </a:solidFill>
@@ -6077,6 +6210,50 @@
                     </a:p>
                   </a:txBody>
                   <a:tcPr>
+                    <a:lnL w="12700" cap="flat" cmpd="sng" algn="ctr">
+                      <a:solidFill>
+                        <a:schemeClr val="bg1"/>
+                      </a:solidFill>
+                      <a:prstDash val="solid"/>
+                      <a:round/>
+                      <a:headEnd type="none" w="med" len="med"/>
+                      <a:tailEnd type="none" w="med" len="med"/>
+                    </a:lnL>
+                    <a:lnR w="12700" cap="flat" cmpd="sng" algn="ctr">
+                      <a:solidFill>
+                        <a:schemeClr val="bg1"/>
+                      </a:solidFill>
+                      <a:prstDash val="solid"/>
+                      <a:round/>
+                      <a:headEnd type="none" w="med" len="med"/>
+                      <a:tailEnd type="none" w="med" len="med"/>
+                    </a:lnR>
+                    <a:lnT w="12700" cap="flat" cmpd="sng" algn="ctr">
+                      <a:solidFill>
+                        <a:schemeClr val="bg1"/>
+                      </a:solidFill>
+                      <a:prstDash val="solid"/>
+                      <a:round/>
+                      <a:headEnd type="none" w="med" len="med"/>
+                      <a:tailEnd type="none" w="med" len="med"/>
+                    </a:lnT>
+                    <a:lnB w="12700" cap="flat" cmpd="sng" algn="ctr">
+                      <a:solidFill>
+                        <a:schemeClr val="bg1"/>
+                      </a:solidFill>
+                      <a:prstDash val="solid"/>
+                      <a:round/>
+                      <a:headEnd type="none" w="med" len="med"/>
+                      <a:tailEnd type="none" w="med" len="med"/>
+                    </a:lnB>
+                    <a:lnTlToBr w="12700" cmpd="sng">
+                      <a:noFill/>
+                      <a:prstDash val="solid"/>
+                    </a:lnTlToBr>
+                    <a:lnBlToTr w="12700" cmpd="sng">
+                      <a:noFill/>
+                      <a:prstDash val="solid"/>
+                    </a:lnBlToTr>
                     <a:solidFill>
                       <a:srgbClr val="7030A0"/>
                     </a:solidFill>
@@ -6095,14 +6272,14 @@
                     <a:lstStyle/>
                     <a:p>
                       <a:r>
-                        <a:rPr kumimoji="1" lang="en-US" altLang="ja-JP">
+                        <a:rPr kumimoji="1" lang="en-US" altLang="ja-JP" dirty="0">
                           <a:solidFill>
                             <a:schemeClr val="bg1"/>
                           </a:solidFill>
                         </a:rPr>
                         <a:t>1000</a:t>
                       </a:r>
-                      <a:endParaRPr kumimoji="1" lang="ja-JP" altLang="en-US">
+                      <a:endParaRPr kumimoji="1" lang="ja-JP" altLang="en-US" dirty="0">
                         <a:solidFill>
                           <a:schemeClr val="bg1"/>
                         </a:solidFill>
@@ -6110,6 +6287,50 @@
                     </a:p>
                   </a:txBody>
                   <a:tcPr>
+                    <a:lnL w="12700" cap="flat" cmpd="sng" algn="ctr">
+                      <a:solidFill>
+                        <a:schemeClr val="bg1"/>
+                      </a:solidFill>
+                      <a:prstDash val="solid"/>
+                      <a:round/>
+                      <a:headEnd type="none" w="med" len="med"/>
+                      <a:tailEnd type="none" w="med" len="med"/>
+                    </a:lnL>
+                    <a:lnR w="12700" cap="flat" cmpd="sng" algn="ctr">
+                      <a:solidFill>
+                        <a:schemeClr val="bg1"/>
+                      </a:solidFill>
+                      <a:prstDash val="solid"/>
+                      <a:round/>
+                      <a:headEnd type="none" w="med" len="med"/>
+                      <a:tailEnd type="none" w="med" len="med"/>
+                    </a:lnR>
+                    <a:lnT w="12700" cap="flat" cmpd="sng" algn="ctr">
+                      <a:solidFill>
+                        <a:schemeClr val="bg1"/>
+                      </a:solidFill>
+                      <a:prstDash val="solid"/>
+                      <a:round/>
+                      <a:headEnd type="none" w="med" len="med"/>
+                      <a:tailEnd type="none" w="med" len="med"/>
+                    </a:lnT>
+                    <a:lnB w="12700" cap="flat" cmpd="sng" algn="ctr">
+                      <a:solidFill>
+                        <a:schemeClr val="bg1"/>
+                      </a:solidFill>
+                      <a:prstDash val="solid"/>
+                      <a:round/>
+                      <a:headEnd type="none" w="med" len="med"/>
+                      <a:tailEnd type="none" w="med" len="med"/>
+                    </a:lnB>
+                    <a:lnTlToBr w="12700" cmpd="sng">
+                      <a:noFill/>
+                      <a:prstDash val="solid"/>
+                    </a:lnTlToBr>
+                    <a:lnBlToTr w="12700" cmpd="sng">
+                      <a:noFill/>
+                      <a:prstDash val="solid"/>
+                    </a:lnBlToTr>
                     <a:solidFill>
                       <a:srgbClr val="7030A0"/>
                     </a:solidFill>
@@ -8322,9 +8543,12 @@
 </file>
 
 <file path=customXml/item1.xml><?xml version="1.0" encoding="utf-8"?>
-<p:properties xmlns:p="http://schemas.microsoft.com/office/2006/metadata/properties" xmlns:xsi="http://www.w3.org/2001/XMLSchema-instance" xmlns:pc="http://schemas.microsoft.com/office/infopath/2007/PartnerControls">
-  <documentManagement/>
-</p:properties>
+<?mso-contentType ?>
+<FormTemplates xmlns="http://schemas.microsoft.com/sharepoint/v3/contenttype/forms">
+  <Display>DocumentLibraryForm</Display>
+  <Edit>DocumentLibraryForm</Edit>
+  <New>DocumentLibraryForm</New>
+</FormTemplates>
 </file>
 
 <file path=customXml/item2.xml><?xml version="1.0" encoding="utf-8"?>
@@ -8512,26 +8736,15 @@
 </file>
 
 <file path=customXml/item3.xml><?xml version="1.0" encoding="utf-8"?>
-<?mso-contentType ?>
-<FormTemplates xmlns="http://schemas.microsoft.com/sharepoint/v3/contenttype/forms">
-  <Display>DocumentLibraryForm</Display>
-  <Edit>DocumentLibraryForm</Edit>
-  <New>DocumentLibraryForm</New>
-</FormTemplates>
+<p:properties xmlns:p="http://schemas.microsoft.com/office/2006/metadata/properties" xmlns:xsi="http://www.w3.org/2001/XMLSchema-instance" xmlns:pc="http://schemas.microsoft.com/office/infopath/2007/PartnerControls">
+  <documentManagement/>
+</p:properties>
 </file>
 
 <file path=customXml/itemProps1.xml><?xml version="1.0" encoding="utf-8"?>
-<ds:datastoreItem xmlns:ds="http://schemas.openxmlformats.org/officeDocument/2006/customXml" ds:itemID="{FC07DFCC-23D1-4E0D-B955-06DCA6740674}">
+<ds:datastoreItem xmlns:ds="http://schemas.openxmlformats.org/officeDocument/2006/customXml" ds:itemID="{0BA6041F-3CED-4150-9789-E353CA5AE548}">
   <ds:schemaRefs>
-    <ds:schemaRef ds:uri="ef71c9de-9867-437c-8375-3a1a59bfe133"/>
-    <ds:schemaRef ds:uri="http://purl.org/dc/dcmitype/"/>
-    <ds:schemaRef ds:uri="http://purl.org/dc/elements/1.1/"/>
-    <ds:schemaRef ds:uri="http://purl.org/dc/terms/"/>
-    <ds:schemaRef ds:uri="http://schemas.microsoft.com/office/2006/documentManagement/types"/>
-    <ds:schemaRef ds:uri="http://schemas.microsoft.com/office/2006/metadata/properties"/>
-    <ds:schemaRef ds:uri="http://schemas.microsoft.com/office/infopath/2007/PartnerControls"/>
-    <ds:schemaRef ds:uri="http://schemas.openxmlformats.org/package/2006/metadata/core-properties"/>
-    <ds:schemaRef ds:uri="http://www.w3.org/XML/1998/namespace"/>
+    <ds:schemaRef ds:uri="http://schemas.microsoft.com/sharepoint/v3/contenttype/forms"/>
   </ds:schemaRefs>
 </ds:datastoreItem>
 </file>
@@ -8555,9 +8768,17 @@
 </file>
 
 <file path=customXml/itemProps3.xml><?xml version="1.0" encoding="utf-8"?>
-<ds:datastoreItem xmlns:ds="http://schemas.openxmlformats.org/officeDocument/2006/customXml" ds:itemID="{0BA6041F-3CED-4150-9789-E353CA5AE548}">
+<ds:datastoreItem xmlns:ds="http://schemas.openxmlformats.org/officeDocument/2006/customXml" ds:itemID="{FC07DFCC-23D1-4E0D-B955-06DCA6740674}">
   <ds:schemaRefs>
-    <ds:schemaRef ds:uri="http://schemas.microsoft.com/sharepoint/v3/contenttype/forms"/>
+    <ds:schemaRef ds:uri="ef71c9de-9867-437c-8375-3a1a59bfe133"/>
+    <ds:schemaRef ds:uri="http://purl.org/dc/dcmitype/"/>
+    <ds:schemaRef ds:uri="http://purl.org/dc/elements/1.1/"/>
+    <ds:schemaRef ds:uri="http://purl.org/dc/terms/"/>
+    <ds:schemaRef ds:uri="http://schemas.microsoft.com/office/2006/documentManagement/types"/>
+    <ds:schemaRef ds:uri="http://schemas.microsoft.com/office/2006/metadata/properties"/>
+    <ds:schemaRef ds:uri="http://schemas.microsoft.com/office/infopath/2007/PartnerControls"/>
+    <ds:schemaRef ds:uri="http://schemas.openxmlformats.org/package/2006/metadata/core-properties"/>
+    <ds:schemaRef ds:uri="http://www.w3.org/XML/1998/namespace"/>
   </ds:schemaRefs>
 </ds:datastoreItem>
 </file>